--- a/Portfolio.pptx
+++ b/Portfolio.pptx
@@ -1387,7 +1387,7 @@
   <p:cSld>
     <p:spTree>
       <p:nvGrpSpPr>
-        <p:cNvPr id="111" name="Shape 111"/>
+        <p:cNvPr id="112" name="Shape 112"/>
         <p:cNvGrpSpPr/>
         <p:nvPr/>
       </p:nvGrpSpPr>
@@ -1401,7 +1401,7 @@
       </p:grpSpPr>
       <p:sp>
         <p:nvSpPr>
-          <p:cNvPr id="112" name="Shape 112"/>
+          <p:cNvPr id="113" name="Shape 113"/>
           <p:cNvSpPr/>
           <p:nvPr>
             <p:ph idx="2" type="sldImg"/>
@@ -1435,7 +1435,7 @@
       </p:sp>
       <p:sp>
         <p:nvSpPr>
-          <p:cNvPr id="113" name="Shape 113"/>
+          <p:cNvPr id="114" name="Shape 114"/>
           <p:cNvSpPr txBox="1"/>
           <p:nvPr>
             <p:ph idx="1" type="body"/>
@@ -1456,7 +1456,7 @@
           </a:bodyPr>
           <a:lstStyle/>
           <a:p>
-            <a:pPr indent="0" lvl="0" marL="0">
+            <a:pPr indent="0" lvl="0" marL="0" rtl="0">
               <a:spcBef>
                 <a:spcPts val="0"/>
               </a:spcBef>
@@ -1485,7 +1485,7 @@
   <p:cSld>
     <p:spTree>
       <p:nvGrpSpPr>
-        <p:cNvPr id="119" name="Shape 119"/>
+        <p:cNvPr id="120" name="Shape 120"/>
         <p:cNvGrpSpPr/>
         <p:nvPr/>
       </p:nvGrpSpPr>
@@ -1499,7 +1499,7 @@
       </p:grpSpPr>
       <p:sp>
         <p:nvSpPr>
-          <p:cNvPr id="120" name="Shape 120"/>
+          <p:cNvPr id="121" name="Shape 121"/>
           <p:cNvSpPr/>
           <p:nvPr>
             <p:ph idx="2" type="sldImg"/>
@@ -1533,7 +1533,7 @@
       </p:sp>
       <p:sp>
         <p:nvSpPr>
-          <p:cNvPr id="121" name="Shape 121"/>
+          <p:cNvPr id="122" name="Shape 122"/>
           <p:cNvSpPr txBox="1"/>
           <p:nvPr>
             <p:ph idx="1" type="body"/>
@@ -8431,7 +8431,11 @@
             </a:pPr>
             <a:r>
               <a:rPr lang="en"/>
-              <a:t>Psychology Assesment</a:t>
+              <a:t>Psychology </a:t>
+            </a:r>
+            <a:r>
+              <a:rPr lang="en"/>
+              <a:t>Assessment</a:t>
             </a:r>
             <a:endParaRPr/>
           </a:p>
@@ -8563,7 +8567,23 @@
             </a:pPr>
             <a:r>
               <a:rPr lang="en"/>
-              <a:t>Why Psyhology Assesement using Programming ?</a:t>
+              <a:t>Why </a:t>
+            </a:r>
+            <a:r>
+              <a:rPr lang="en"/>
+              <a:t>Psychology</a:t>
+            </a:r>
+            <a:r>
+              <a:rPr lang="en"/>
+              <a:t> </a:t>
+            </a:r>
+            <a:r>
+              <a:rPr lang="en"/>
+              <a:t>Assessment</a:t>
+            </a:r>
+            <a:r>
+              <a:rPr lang="en"/>
+              <a:t> using Programming ?</a:t>
             </a:r>
             <a:endParaRPr/>
           </a:p>
@@ -8605,7 +8625,15 @@
             </a:pPr>
             <a:r>
               <a:rPr lang="en"/>
-              <a:t>The Human mind is one of the most complicated things that all great minds in the human histrory had come across and thus understanding it,its need and its patterns are another great challenge we face.</a:t>
+              <a:t>The Human mind is one of the most complicated things that all great minds in the human </a:t>
+            </a:r>
+            <a:r>
+              <a:rPr lang="en"/>
+              <a:t>history</a:t>
+            </a:r>
+            <a:r>
+              <a:rPr lang="en"/>
+              <a:t> had come across and thus understanding it,its need and its patterns are another great challenge we face.</a:t>
             </a:r>
             <a:endParaRPr/>
           </a:p>
@@ -8753,7 +8781,7 @@
               <a:buNone/>
             </a:pPr>
             <a:r>
-              <a:rPr lang="en" sz="1100">
+              <a:rPr b="1" lang="en" sz="1400">
                 <a:solidFill>
                   <a:srgbClr val="000000"/>
                 </a:solidFill>
@@ -8764,7 +8792,7 @@
               </a:rPr>
               <a:t>Observe Body Language Cues</a:t>
             </a:r>
-            <a:endParaRPr sz="1100">
+            <a:endParaRPr b="1" sz="1400">
               <a:solidFill>
                 <a:srgbClr val="000000"/>
               </a:solidFill>
@@ -8920,7 +8948,7 @@
                 <a:spcPts val="1600"/>
               </a:spcBef>
               <a:spcAft>
-                <a:spcPts val="1600"/>
+                <a:spcPts val="0"/>
               </a:spcAft>
               <a:buNone/>
             </a:pPr>
@@ -8935,6 +8963,38 @@
                 <a:sym typeface="Arial"/>
               </a:rPr>
               <a:t>	5. Checking for excessive sweating</a:t>
+            </a:r>
+            <a:endParaRPr b="1" sz="1100">
+              <a:solidFill>
+                <a:srgbClr val="000000"/>
+              </a:solidFill>
+              <a:latin typeface="Arial"/>
+              <a:ea typeface="Arial"/>
+              <a:cs typeface="Arial"/>
+              <a:sym typeface="Arial"/>
+            </a:endParaRPr>
+          </a:p>
+          <a:p>
+            <a:pPr indent="0" lvl="0" marL="0">
+              <a:spcBef>
+                <a:spcPts val="1600"/>
+              </a:spcBef>
+              <a:spcAft>
+                <a:spcPts val="1600"/>
+              </a:spcAft>
+              <a:buNone/>
+            </a:pPr>
+            <a:r>
+              <a:rPr b="1" lang="en" sz="1100">
+                <a:solidFill>
+                  <a:srgbClr val="000000"/>
+                </a:solidFill>
+                <a:latin typeface="Arial"/>
+                <a:ea typeface="Arial"/>
+                <a:cs typeface="Arial"/>
+                <a:sym typeface="Arial"/>
+              </a:rPr>
+              <a:t>	etc…..</a:t>
             </a:r>
             <a:endParaRPr b="1" sz="1100">
               <a:solidFill>
@@ -8990,8 +9050,8 @@
         </p:nvSpPr>
         <p:spPr>
           <a:xfrm>
-            <a:off x="311675" y="798600"/>
-            <a:ext cx="6247800" cy="3546300"/>
+            <a:off x="282150" y="395400"/>
+            <a:ext cx="6247800" cy="936300"/>
           </a:xfrm>
           <a:prstGeom prst="rect">
             <a:avLst/>
@@ -9003,25 +9063,51 @@
           </a:bodyPr>
           <a:lstStyle/>
           <a:p>
-            <a:pPr indent="0" lvl="0" marL="0">
-              <a:spcBef>
-                <a:spcPts val="0"/>
-              </a:spcBef>
-              <a:spcAft>
-                <a:spcPts val="0"/>
+            <a:pPr indent="0" lvl="0" marL="0" rtl="0">
+              <a:spcBef>
+                <a:spcPts val="0"/>
+              </a:spcBef>
+              <a:spcAft>
+                <a:spcPts val="1600"/>
               </a:spcAft>
               <a:buNone/>
             </a:pPr>
             <a:r>
               <a:rPr lang="en"/>
-              <a:t>Acme Design Award recipient</a:t>
+              <a:t>Implementation</a:t>
             </a:r>
             <a:endParaRPr/>
           </a:p>
+        </p:txBody>
+      </p:sp>
+      <p:sp>
+        <p:nvSpPr>
+          <p:cNvPr id="111" name="Shape 111"/>
+          <p:cNvSpPr txBox="1"/>
+          <p:nvPr/>
+        </p:nvSpPr>
+        <p:spPr>
+          <a:xfrm>
+            <a:off x="570400" y="1233250"/>
+            <a:ext cx="5910600" cy="3530700"/>
+          </a:xfrm>
+          <a:prstGeom prst="rect">
+            <a:avLst/>
+          </a:prstGeom>
+          <a:noFill/>
+          <a:ln>
+            <a:noFill/>
+          </a:ln>
+        </p:spPr>
+        <p:txBody>
+          <a:bodyPr anchorCtr="0" anchor="t" bIns="91425" lIns="91425" spcFirstLastPara="1" rIns="91425" wrap="square" tIns="91425">
+            <a:noAutofit/>
+          </a:bodyPr>
+          <a:lstStyle/>
           <a:p>
             <a:pPr indent="0" lvl="0" marL="0">
               <a:spcBef>
-                <a:spcPts val="1600"/>
+                <a:spcPts val="0"/>
               </a:spcBef>
               <a:spcAft>
                 <a:spcPts val="0"/>
@@ -9029,8 +9115,8 @@
               <a:buNone/>
             </a:pPr>
             <a:r>
-              <a:rPr i="1" lang="en" sz="2400"/>
-              <a:t>Parker Music campaign</a:t>
+              <a:rPr lang="en"/>
+              <a:t>The videos and images of the person under study is to be collected and it is to be fed into an AI based </a:t>
             </a:r>
             <a:endParaRPr/>
           </a:p>
@@ -9049,7 +9135,7 @@
   <p:cSld>
     <p:spTree>
       <p:nvGrpSpPr>
-        <p:cNvPr id="114" name="Shape 114"/>
+        <p:cNvPr id="115" name="Shape 115"/>
         <p:cNvGrpSpPr/>
         <p:nvPr/>
       </p:nvGrpSpPr>
@@ -9063,7 +9149,7 @@
       </p:grpSpPr>
       <p:pic>
         <p:nvPicPr>
-          <p:cNvPr descr="Closeup of protractor ruler on top of architectural diagrams" id="115" name="Shape 115"/>
+          <p:cNvPr descr="Closeup of protractor ruler on top of architectural diagrams" id="116" name="Shape 116"/>
           <p:cNvPicPr preferRelativeResize="0"/>
           <p:nvPr/>
         </p:nvPicPr>
@@ -9090,7 +9176,7 @@
       </p:pic>
       <p:pic>
         <p:nvPicPr>
-          <p:cNvPr descr="Side view of hands writing in a notebook at a cafe" id="116" name="Shape 116"/>
+          <p:cNvPr descr="Side view of hands writing in a notebook at a cafe" id="117" name="Shape 117"/>
           <p:cNvPicPr preferRelativeResize="0"/>
           <p:nvPr/>
         </p:nvPicPr>
@@ -9104,7 +9190,7 @@
         <p:spPr>
           <a:xfrm>
             <a:off x="4695824" y="434175"/>
-            <a:ext cx="1891827" cy="1665901"/>
+            <a:ext cx="1891826" cy="1665901"/>
           </a:xfrm>
           <a:prstGeom prst="rect">
             <a:avLst/>
@@ -9117,7 +9203,7 @@
       </p:pic>
       <p:pic>
         <p:nvPicPr>
-          <p:cNvPr descr="Overhead shot of the components of a typewriter" id="117" name="Shape 117"/>
+          <p:cNvPr descr="Overhead shot of the components of a typewriter" id="118" name="Shape 118"/>
           <p:cNvPicPr preferRelativeResize="0"/>
           <p:nvPr/>
         </p:nvPicPr>
@@ -9131,7 +9217,7 @@
         <p:spPr>
           <a:xfrm>
             <a:off x="6800775" y="434175"/>
-            <a:ext cx="1918200" cy="1665898"/>
+            <a:ext cx="1918200" cy="1665899"/>
           </a:xfrm>
           <a:prstGeom prst="rect">
             <a:avLst/>
@@ -9144,7 +9230,7 @@
       </p:pic>
       <p:pic>
         <p:nvPicPr>
-          <p:cNvPr descr="Two classic cars in front of two yellow garage doors" id="118" name="Shape 118"/>
+          <p:cNvPr descr="Two classic cars in front of two yellow garage doors" id="119" name="Shape 119"/>
           <p:cNvPicPr preferRelativeResize="0"/>
           <p:nvPr/>
         </p:nvPicPr>
@@ -9182,7 +9268,7 @@
   <p:cSld>
     <p:spTree>
       <p:nvGrpSpPr>
-        <p:cNvPr id="122" name="Shape 122"/>
+        <p:cNvPr id="123" name="Shape 123"/>
         <p:cNvGrpSpPr/>
         <p:nvPr/>
       </p:nvGrpSpPr>
@@ -9196,7 +9282,7 @@
       </p:grpSpPr>
       <p:sp>
         <p:nvSpPr>
-          <p:cNvPr id="123" name="Shape 123"/>
+          <p:cNvPr id="124" name="Shape 124"/>
           <p:cNvSpPr txBox="1"/>
           <p:nvPr>
             <p:ph type="title"/>
@@ -9236,7 +9322,7 @@
       </p:sp>
       <p:sp>
         <p:nvSpPr>
-          <p:cNvPr id="124" name="Shape 124"/>
+          <p:cNvPr id="125" name="Shape 125"/>
           <p:cNvSpPr txBox="1"/>
           <p:nvPr>
             <p:ph idx="1" type="body"/>
@@ -9308,7 +9394,7 @@
       </p:sp>
       <p:pic>
         <p:nvPicPr>
-          <p:cNvPr descr="Upward shot of Golden Gate Bridge against blue sky" id="125" name="Shape 125"/>
+          <p:cNvPr descr="Upward shot of Golden Gate Bridge against blue sky" id="126" name="Shape 126"/>
           <p:cNvPicPr preferRelativeResize="0"/>
           <p:nvPr/>
         </p:nvPicPr>
